--- a/diseño/ahorcado-22-1.pptx
+++ b/diseño/ahorcado-22-1.pptx
@@ -270,7 +270,7 @@
           <a:p>
             <a:fld id="{F8FDD5A6-6956-477E-A754-A4AEF8692792}" type="datetimeFigureOut">
               <a:rPr lang="es-ES" smtClean="0"/>
-              <a:t>21/05/2023</a:t>
+              <a:t>23/05/2023</a:t>
             </a:fld>
             <a:endParaRPr lang="es-ES"/>
           </a:p>
@@ -468,7 +468,7 @@
           <a:p>
             <a:fld id="{F8FDD5A6-6956-477E-A754-A4AEF8692792}" type="datetimeFigureOut">
               <a:rPr lang="es-ES" smtClean="0"/>
-              <a:t>21/05/2023</a:t>
+              <a:t>23/05/2023</a:t>
             </a:fld>
             <a:endParaRPr lang="es-ES"/>
           </a:p>
@@ -676,7 +676,7 @@
           <a:p>
             <a:fld id="{F8FDD5A6-6956-477E-A754-A4AEF8692792}" type="datetimeFigureOut">
               <a:rPr lang="es-ES" smtClean="0"/>
-              <a:t>21/05/2023</a:t>
+              <a:t>23/05/2023</a:t>
             </a:fld>
             <a:endParaRPr lang="es-ES"/>
           </a:p>
@@ -874,7 +874,7 @@
           <a:p>
             <a:fld id="{F8FDD5A6-6956-477E-A754-A4AEF8692792}" type="datetimeFigureOut">
               <a:rPr lang="es-ES" smtClean="0"/>
-              <a:t>21/05/2023</a:t>
+              <a:t>23/05/2023</a:t>
             </a:fld>
             <a:endParaRPr lang="es-ES"/>
           </a:p>
@@ -1149,7 +1149,7 @@
           <a:p>
             <a:fld id="{F8FDD5A6-6956-477E-A754-A4AEF8692792}" type="datetimeFigureOut">
               <a:rPr lang="es-ES" smtClean="0"/>
-              <a:t>21/05/2023</a:t>
+              <a:t>23/05/2023</a:t>
             </a:fld>
             <a:endParaRPr lang="es-ES"/>
           </a:p>
@@ -1414,7 +1414,7 @@
           <a:p>
             <a:fld id="{F8FDD5A6-6956-477E-A754-A4AEF8692792}" type="datetimeFigureOut">
               <a:rPr lang="es-ES" smtClean="0"/>
-              <a:t>21/05/2023</a:t>
+              <a:t>23/05/2023</a:t>
             </a:fld>
             <a:endParaRPr lang="es-ES"/>
           </a:p>
@@ -1826,7 +1826,7 @@
           <a:p>
             <a:fld id="{F8FDD5A6-6956-477E-A754-A4AEF8692792}" type="datetimeFigureOut">
               <a:rPr lang="es-ES" smtClean="0"/>
-              <a:t>21/05/2023</a:t>
+              <a:t>23/05/2023</a:t>
             </a:fld>
             <a:endParaRPr lang="es-ES"/>
           </a:p>
@@ -1967,7 +1967,7 @@
           <a:p>
             <a:fld id="{F8FDD5A6-6956-477E-A754-A4AEF8692792}" type="datetimeFigureOut">
               <a:rPr lang="es-ES" smtClean="0"/>
-              <a:t>21/05/2023</a:t>
+              <a:t>23/05/2023</a:t>
             </a:fld>
             <a:endParaRPr lang="es-ES"/>
           </a:p>
@@ -2080,7 +2080,7 @@
           <a:p>
             <a:fld id="{F8FDD5A6-6956-477E-A754-A4AEF8692792}" type="datetimeFigureOut">
               <a:rPr lang="es-ES" smtClean="0"/>
-              <a:t>21/05/2023</a:t>
+              <a:t>23/05/2023</a:t>
             </a:fld>
             <a:endParaRPr lang="es-ES"/>
           </a:p>
@@ -2391,7 +2391,7 @@
           <a:p>
             <a:fld id="{F8FDD5A6-6956-477E-A754-A4AEF8692792}" type="datetimeFigureOut">
               <a:rPr lang="es-ES" smtClean="0"/>
-              <a:t>21/05/2023</a:t>
+              <a:t>23/05/2023</a:t>
             </a:fld>
             <a:endParaRPr lang="es-ES"/>
           </a:p>
@@ -2679,7 +2679,7 @@
           <a:p>
             <a:fld id="{F8FDD5A6-6956-477E-A754-A4AEF8692792}" type="datetimeFigureOut">
               <a:rPr lang="es-ES" smtClean="0"/>
-              <a:t>21/05/2023</a:t>
+              <a:t>23/05/2023</a:t>
             </a:fld>
             <a:endParaRPr lang="es-ES"/>
           </a:p>
@@ -2920,7 +2920,7 @@
           <a:p>
             <a:fld id="{F8FDD5A6-6956-477E-A754-A4AEF8692792}" type="datetimeFigureOut">
               <a:rPr lang="es-ES" smtClean="0"/>
-              <a:t>21/05/2023</a:t>
+              <a:t>23/05/2023</a:t>
             </a:fld>
             <a:endParaRPr lang="es-ES"/>
           </a:p>
@@ -4505,6 +4505,52 @@
             <a:endParaRPr lang="es-ES" dirty="0">
               <a:solidFill>
                 <a:schemeClr val="accent4">
+                  <a:lumMod val="75000"/>
+                </a:schemeClr>
+              </a:solidFill>
+            </a:endParaRPr>
+          </a:p>
+          <a:p>
+            <a:pPr lvl="1"/>
+            <a:r>
+              <a:rPr lang="es-ES" dirty="0" err="1"/>
+              <a:t>assets</a:t>
+            </a:r>
+            <a:r>
+              <a:rPr lang="es-ES" dirty="0"/>
+              <a:t>/</a:t>
+            </a:r>
+            <a:r>
+              <a:rPr lang="es-ES" dirty="0" err="1"/>
+              <a:t>js</a:t>
+            </a:r>
+            <a:endParaRPr lang="es-ES" dirty="0"/>
+          </a:p>
+          <a:p>
+            <a:pPr lvl="2"/>
+            <a:r>
+              <a:rPr lang="es-ES" dirty="0">
+                <a:solidFill>
+                  <a:schemeClr val="accent2">
+                    <a:lumMod val="75000"/>
+                  </a:schemeClr>
+                </a:solidFill>
+              </a:rPr>
+              <a:t>pista</a:t>
+            </a:r>
+            <a:r>
+              <a:rPr lang="es-ES">
+                <a:solidFill>
+                  <a:schemeClr val="accent2">
+                    <a:lumMod val="75000"/>
+                  </a:schemeClr>
+                </a:solidFill>
+              </a:rPr>
+              <a:t>.js</a:t>
+            </a:r>
+            <a:endParaRPr lang="es-ES" dirty="0">
+              <a:solidFill>
+                <a:schemeClr val="accent2">
                   <a:lumMod val="75000"/>
                 </a:schemeClr>
               </a:solidFill>
